--- a/GAN.pptx
+++ b/GAN.pptx
@@ -3756,6 +3756,69 @@
           </a:xfrm>
         </p:spPr>
       </p:pic>
+      <p:sp>
+        <p:nvSpPr>
+          <p:cNvPr id="5" name="TextBox 4"/>
+          <p:cNvSpPr txBox="1"/>
+          <p:nvPr/>
+        </p:nvSpPr>
+        <p:spPr>
+          <a:xfrm>
+            <a:off x="548640" y="6325506"/>
+            <a:ext cx="8046720" cy="261610"/>
+          </a:xfrm>
+          <a:prstGeom prst="rect">
+            <a:avLst/>
+          </a:prstGeom>
+          <a:noFill/>
+        </p:spPr>
+        <p:txBody>
+          <a:bodyPr wrap="square" rtlCol="0">
+            <a:spAutoFit/>
+          </a:bodyPr>
+          <a:lstStyle/>
+          <a:p>
+            <a:pPr algn="ctr"/>
+            <a:r>
+              <a:rPr lang="en-US" altLang="zh-CN" sz="1100" dirty="0"/>
+              <a:t>Yu, </a:t>
+            </a:r>
+            <a:r>
+              <a:rPr lang="en-US" altLang="zh-CN" sz="1100" dirty="0" err="1"/>
+              <a:t>Lantao</a:t>
+            </a:r>
+            <a:r>
+              <a:rPr lang="en-US" altLang="zh-CN" sz="1100" dirty="0"/>
+              <a:t>, et al. "</a:t>
+            </a:r>
+            <a:r>
+              <a:rPr lang="en-US" altLang="zh-CN" sz="1100" dirty="0" err="1" smtClean="0"/>
+              <a:t>SeqGAN</a:t>
+            </a:r>
+            <a:r>
+              <a:rPr lang="en-US" altLang="zh-CN" sz="1100" dirty="0" smtClean="0"/>
+              <a:t>: </a:t>
+            </a:r>
+            <a:r>
+              <a:rPr lang="en-US" altLang="zh-CN" sz="1100" dirty="0"/>
+              <a:t>sequence generative adversarial nets with policy gradient." </a:t>
+            </a:r>
+            <a:r>
+              <a:rPr lang="en-US" altLang="zh-CN" sz="1100" i="1" dirty="0" smtClean="0"/>
+              <a:t>AAAI 2017</a:t>
+            </a:r>
+            <a:r>
+              <a:rPr lang="en-US" altLang="zh-CN" sz="1100" dirty="0"/>
+              <a:t> (</a:t>
+            </a:r>
+            <a:r>
+              <a:rPr lang="en-US" altLang="zh-CN" sz="1100" dirty="0" smtClean="0"/>
+              <a:t>2017).</a:t>
+            </a:r>
+            <a:endParaRPr lang="zh-CN" altLang="en-US" sz="1100" dirty="0"/>
+          </a:p>
+        </p:txBody>
+      </p:sp>
     </p:spTree>
     <p:extLst>
       <p:ext uri="{BB962C8B-B14F-4D97-AF65-F5344CB8AC3E}">
